--- a/2023-24/Etap I/Prezentacje/zadanie4.pptx
+++ b/2023-24/Etap I/Prezentacje/zadanie4.pptx
@@ -4,6 +4,9 @@
   <p:sldMasterIdLst>
     <p:sldMasterId id="2147483648" r:id="rId1"/>
   </p:sldMasterIdLst>
+  <p:notesMasterIdLst>
+    <p:notesMasterId r:id="rId25"/>
+  </p:notesMasterIdLst>
   <p:sldIdLst>
     <p:sldId id="256" r:id="rId2"/>
     <p:sldId id="257" r:id="rId3"/>
@@ -134,6 +137,439 @@
 </p:presentation>
 </file>
 
+<file path=ppt/notesMasters/notesMaster1.xml><?xml version="1.0" encoding="utf-8"?>
+<p:notesMaster xmlns:a="http://schemas.openxmlformats.org/drawingml/2006/main" xmlns:r="http://schemas.openxmlformats.org/officeDocument/2006/relationships" xmlns:p="http://schemas.openxmlformats.org/presentationml/2006/main">
+  <p:cSld>
+    <p:bg>
+      <p:bgRef idx="1001">
+        <a:schemeClr val="bg1"/>
+      </p:bgRef>
+    </p:bg>
+    <p:spTree>
+      <p:nvGrpSpPr>
+        <p:cNvPr id="1" name=""/>
+        <p:cNvGrpSpPr/>
+        <p:nvPr/>
+      </p:nvGrpSpPr>
+      <p:grpSpPr>
+        <a:xfrm>
+          <a:off x="0" y="0"/>
+          <a:ext cx="0" cy="0"/>
+          <a:chOff x="0" y="0"/>
+          <a:chExt cx="0" cy="0"/>
+        </a:xfrm>
+      </p:grpSpPr>
+      <p:sp>
+        <p:nvSpPr>
+          <p:cNvPr id="2" name="Symbol zastępczy nagłówka 1"/>
+          <p:cNvSpPr>
+            <a:spLocks noGrp="1"/>
+          </p:cNvSpPr>
+          <p:nvPr>
+            <p:ph type="hdr" sz="quarter"/>
+          </p:nvPr>
+        </p:nvSpPr>
+        <p:spPr>
+          <a:xfrm>
+            <a:off x="0" y="0"/>
+            <a:ext cx="2971800" cy="458788"/>
+          </a:xfrm>
+          <a:prstGeom prst="rect">
+            <a:avLst/>
+          </a:prstGeom>
+        </p:spPr>
+        <p:txBody>
+          <a:bodyPr vert="horz" lIns="91440" tIns="45720" rIns="91440" bIns="45720" rtlCol="0"/>
+          <a:lstStyle>
+            <a:lvl1pPr algn="l">
+              <a:defRPr sz="1200"/>
+            </a:lvl1pPr>
+          </a:lstStyle>
+          <a:p>
+            <a:endParaRPr lang="pl-PL"/>
+          </a:p>
+        </p:txBody>
+      </p:sp>
+      <p:sp>
+        <p:nvSpPr>
+          <p:cNvPr id="3" name="Symbol zastępczy daty 2"/>
+          <p:cNvSpPr>
+            <a:spLocks noGrp="1"/>
+          </p:cNvSpPr>
+          <p:nvPr>
+            <p:ph type="dt" idx="1"/>
+          </p:nvPr>
+        </p:nvSpPr>
+        <p:spPr>
+          <a:xfrm>
+            <a:off x="3884613" y="0"/>
+            <a:ext cx="2971800" cy="458788"/>
+          </a:xfrm>
+          <a:prstGeom prst="rect">
+            <a:avLst/>
+          </a:prstGeom>
+        </p:spPr>
+        <p:txBody>
+          <a:bodyPr vert="horz" lIns="91440" tIns="45720" rIns="91440" bIns="45720" rtlCol="0"/>
+          <a:lstStyle>
+            <a:lvl1pPr algn="r">
+              <a:defRPr sz="1200"/>
+            </a:lvl1pPr>
+          </a:lstStyle>
+          <a:p>
+            <a:fld id="{73F19386-2606-4462-A08D-83CAFEB0D93E}" type="datetimeFigureOut">
+              <a:rPr lang="pl-PL" smtClean="0"/>
+              <a:t>07.07.2024</a:t>
+            </a:fld>
+            <a:endParaRPr lang="pl-PL"/>
+          </a:p>
+        </p:txBody>
+      </p:sp>
+      <p:sp>
+        <p:nvSpPr>
+          <p:cNvPr id="4" name="Symbol zastępczy obrazu slajdu 3"/>
+          <p:cNvSpPr>
+            <a:spLocks noGrp="1" noRot="1" noChangeAspect="1"/>
+          </p:cNvSpPr>
+          <p:nvPr>
+            <p:ph type="sldImg" idx="2"/>
+          </p:nvPr>
+        </p:nvSpPr>
+        <p:spPr>
+          <a:xfrm>
+            <a:off x="685800" y="1143000"/>
+            <a:ext cx="5486400" cy="3086100"/>
+          </a:xfrm>
+          <a:prstGeom prst="rect">
+            <a:avLst/>
+          </a:prstGeom>
+          <a:noFill/>
+          <a:ln w="12700">
+            <a:solidFill>
+              <a:prstClr val="black"/>
+            </a:solidFill>
+          </a:ln>
+        </p:spPr>
+        <p:txBody>
+          <a:bodyPr vert="horz" lIns="91440" tIns="45720" rIns="91440" bIns="45720" rtlCol="0" anchor="ctr"/>
+          <a:lstStyle/>
+          <a:p>
+            <a:endParaRPr lang="pl-PL"/>
+          </a:p>
+        </p:txBody>
+      </p:sp>
+      <p:sp>
+        <p:nvSpPr>
+          <p:cNvPr id="5" name="Symbol zastępczy notatek 4"/>
+          <p:cNvSpPr>
+            <a:spLocks noGrp="1"/>
+          </p:cNvSpPr>
+          <p:nvPr>
+            <p:ph type="body" sz="quarter" idx="3"/>
+          </p:nvPr>
+        </p:nvSpPr>
+        <p:spPr>
+          <a:xfrm>
+            <a:off x="685800" y="4400550"/>
+            <a:ext cx="5486400" cy="3600450"/>
+          </a:xfrm>
+          <a:prstGeom prst="rect">
+            <a:avLst/>
+          </a:prstGeom>
+        </p:spPr>
+        <p:txBody>
+          <a:bodyPr vert="horz" lIns="91440" tIns="45720" rIns="91440" bIns="45720" rtlCol="0"/>
+          <a:lstStyle/>
+          <a:p>
+            <a:pPr lvl="0"/>
+            <a:r>
+              <a:rPr lang="pl-PL"/>
+              <a:t>Kliknij, aby edytować style wzorca tekstu</a:t>
+            </a:r>
+          </a:p>
+          <a:p>
+            <a:pPr lvl="1"/>
+            <a:r>
+              <a:rPr lang="pl-PL"/>
+              <a:t>Drugi poziom</a:t>
+            </a:r>
+          </a:p>
+          <a:p>
+            <a:pPr lvl="2"/>
+            <a:r>
+              <a:rPr lang="pl-PL"/>
+              <a:t>Trzeci poziom</a:t>
+            </a:r>
+          </a:p>
+          <a:p>
+            <a:pPr lvl="3"/>
+            <a:r>
+              <a:rPr lang="pl-PL"/>
+              <a:t>Czwarty poziom</a:t>
+            </a:r>
+          </a:p>
+          <a:p>
+            <a:pPr lvl="4"/>
+            <a:r>
+              <a:rPr lang="pl-PL"/>
+              <a:t>Piąty poziom</a:t>
+            </a:r>
+          </a:p>
+        </p:txBody>
+      </p:sp>
+      <p:sp>
+        <p:nvSpPr>
+          <p:cNvPr id="6" name="Symbol zastępczy stopki 5"/>
+          <p:cNvSpPr>
+            <a:spLocks noGrp="1"/>
+          </p:cNvSpPr>
+          <p:nvPr>
+            <p:ph type="ftr" sz="quarter" idx="4"/>
+          </p:nvPr>
+        </p:nvSpPr>
+        <p:spPr>
+          <a:xfrm>
+            <a:off x="0" y="8685213"/>
+            <a:ext cx="2971800" cy="458787"/>
+          </a:xfrm>
+          <a:prstGeom prst="rect">
+            <a:avLst/>
+          </a:prstGeom>
+        </p:spPr>
+        <p:txBody>
+          <a:bodyPr vert="horz" lIns="91440" tIns="45720" rIns="91440" bIns="45720" rtlCol="0" anchor="b"/>
+          <a:lstStyle>
+            <a:lvl1pPr algn="l">
+              <a:defRPr sz="1200"/>
+            </a:lvl1pPr>
+          </a:lstStyle>
+          <a:p>
+            <a:endParaRPr lang="pl-PL"/>
+          </a:p>
+        </p:txBody>
+      </p:sp>
+      <p:sp>
+        <p:nvSpPr>
+          <p:cNvPr id="7" name="Symbol zastępczy numeru slajdu 6"/>
+          <p:cNvSpPr>
+            <a:spLocks noGrp="1"/>
+          </p:cNvSpPr>
+          <p:nvPr>
+            <p:ph type="sldNum" sz="quarter" idx="5"/>
+          </p:nvPr>
+        </p:nvSpPr>
+        <p:spPr>
+          <a:xfrm>
+            <a:off x="3884613" y="8685213"/>
+            <a:ext cx="2971800" cy="458787"/>
+          </a:xfrm>
+          <a:prstGeom prst="rect">
+            <a:avLst/>
+          </a:prstGeom>
+        </p:spPr>
+        <p:txBody>
+          <a:bodyPr vert="horz" lIns="91440" tIns="45720" rIns="91440" bIns="45720" rtlCol="0" anchor="b"/>
+          <a:lstStyle>
+            <a:lvl1pPr algn="r">
+              <a:defRPr sz="1200"/>
+            </a:lvl1pPr>
+          </a:lstStyle>
+          <a:p>
+            <a:fld id="{66B227B7-A629-4B1E-9621-087724A93CC7}" type="slidenum">
+              <a:rPr lang="pl-PL" smtClean="0"/>
+              <a:t>‹#›</a:t>
+            </a:fld>
+            <a:endParaRPr lang="pl-PL"/>
+          </a:p>
+        </p:txBody>
+      </p:sp>
+    </p:spTree>
+    <p:extLst>
+      <p:ext uri="{BB962C8B-B14F-4D97-AF65-F5344CB8AC3E}">
+        <p14:creationId xmlns:p14="http://schemas.microsoft.com/office/powerpoint/2010/main" val="4248471706"/>
+      </p:ext>
+    </p:extLst>
+  </p:cSld>
+  <p:clrMap bg1="lt1" tx1="dk1" bg2="lt2" tx2="dk2" accent1="accent1" accent2="accent2" accent3="accent3" accent4="accent4" accent5="accent5" accent6="accent6" hlink="hlink" folHlink="folHlink"/>
+  <p:notesStyle>
+    <a:lvl1pPr marL="0" algn="l" defTabSz="914400" rtl="0" eaLnBrk="1" latinLnBrk="0" hangingPunct="1">
+      <a:defRPr sz="1200" kern="1200">
+        <a:solidFill>
+          <a:schemeClr val="tx1"/>
+        </a:solidFill>
+        <a:latin typeface="+mn-lt"/>
+        <a:ea typeface="+mn-ea"/>
+        <a:cs typeface="+mn-cs"/>
+      </a:defRPr>
+    </a:lvl1pPr>
+    <a:lvl2pPr marL="457200" algn="l" defTabSz="914400" rtl="0" eaLnBrk="1" latinLnBrk="0" hangingPunct="1">
+      <a:defRPr sz="1200" kern="1200">
+        <a:solidFill>
+          <a:schemeClr val="tx1"/>
+        </a:solidFill>
+        <a:latin typeface="+mn-lt"/>
+        <a:ea typeface="+mn-ea"/>
+        <a:cs typeface="+mn-cs"/>
+      </a:defRPr>
+    </a:lvl2pPr>
+    <a:lvl3pPr marL="914400" algn="l" defTabSz="914400" rtl="0" eaLnBrk="1" latinLnBrk="0" hangingPunct="1">
+      <a:defRPr sz="1200" kern="1200">
+        <a:solidFill>
+          <a:schemeClr val="tx1"/>
+        </a:solidFill>
+        <a:latin typeface="+mn-lt"/>
+        <a:ea typeface="+mn-ea"/>
+        <a:cs typeface="+mn-cs"/>
+      </a:defRPr>
+    </a:lvl3pPr>
+    <a:lvl4pPr marL="1371600" algn="l" defTabSz="914400" rtl="0" eaLnBrk="1" latinLnBrk="0" hangingPunct="1">
+      <a:defRPr sz="1200" kern="1200">
+        <a:solidFill>
+          <a:schemeClr val="tx1"/>
+        </a:solidFill>
+        <a:latin typeface="+mn-lt"/>
+        <a:ea typeface="+mn-ea"/>
+        <a:cs typeface="+mn-cs"/>
+      </a:defRPr>
+    </a:lvl4pPr>
+    <a:lvl5pPr marL="1828800" algn="l" defTabSz="914400" rtl="0" eaLnBrk="1" latinLnBrk="0" hangingPunct="1">
+      <a:defRPr sz="1200" kern="1200">
+        <a:solidFill>
+          <a:schemeClr val="tx1"/>
+        </a:solidFill>
+        <a:latin typeface="+mn-lt"/>
+        <a:ea typeface="+mn-ea"/>
+        <a:cs typeface="+mn-cs"/>
+      </a:defRPr>
+    </a:lvl5pPr>
+    <a:lvl6pPr marL="2286000" algn="l" defTabSz="914400" rtl="0" eaLnBrk="1" latinLnBrk="0" hangingPunct="1">
+      <a:defRPr sz="1200" kern="1200">
+        <a:solidFill>
+          <a:schemeClr val="tx1"/>
+        </a:solidFill>
+        <a:latin typeface="+mn-lt"/>
+        <a:ea typeface="+mn-ea"/>
+        <a:cs typeface="+mn-cs"/>
+      </a:defRPr>
+    </a:lvl6pPr>
+    <a:lvl7pPr marL="2743200" algn="l" defTabSz="914400" rtl="0" eaLnBrk="1" latinLnBrk="0" hangingPunct="1">
+      <a:defRPr sz="1200" kern="1200">
+        <a:solidFill>
+          <a:schemeClr val="tx1"/>
+        </a:solidFill>
+        <a:latin typeface="+mn-lt"/>
+        <a:ea typeface="+mn-ea"/>
+        <a:cs typeface="+mn-cs"/>
+      </a:defRPr>
+    </a:lvl7pPr>
+    <a:lvl8pPr marL="3200400" algn="l" defTabSz="914400" rtl="0" eaLnBrk="1" latinLnBrk="0" hangingPunct="1">
+      <a:defRPr sz="1200" kern="1200">
+        <a:solidFill>
+          <a:schemeClr val="tx1"/>
+        </a:solidFill>
+        <a:latin typeface="+mn-lt"/>
+        <a:ea typeface="+mn-ea"/>
+        <a:cs typeface="+mn-cs"/>
+      </a:defRPr>
+    </a:lvl8pPr>
+    <a:lvl9pPr marL="3657600" algn="l" defTabSz="914400" rtl="0" eaLnBrk="1" latinLnBrk="0" hangingPunct="1">
+      <a:defRPr sz="1200" kern="1200">
+        <a:solidFill>
+          <a:schemeClr val="tx1"/>
+        </a:solidFill>
+        <a:latin typeface="+mn-lt"/>
+        <a:ea typeface="+mn-ea"/>
+        <a:cs typeface="+mn-cs"/>
+      </a:defRPr>
+    </a:lvl9pPr>
+  </p:notesStyle>
+</p:notesMaster>
+</file>
+
+<file path=ppt/notesSlides/notesSlide1.xml><?xml version="1.0" encoding="utf-8"?>
+<p:notes xmlns:a="http://schemas.openxmlformats.org/drawingml/2006/main" xmlns:r="http://schemas.openxmlformats.org/officeDocument/2006/relationships" xmlns:p="http://schemas.openxmlformats.org/presentationml/2006/main">
+  <p:cSld>
+    <p:spTree>
+      <p:nvGrpSpPr>
+        <p:cNvPr id="1" name=""/>
+        <p:cNvGrpSpPr/>
+        <p:nvPr/>
+      </p:nvGrpSpPr>
+      <p:grpSpPr>
+        <a:xfrm>
+          <a:off x="0" y="0"/>
+          <a:ext cx="0" cy="0"/>
+          <a:chOff x="0" y="0"/>
+          <a:chExt cx="0" cy="0"/>
+        </a:xfrm>
+      </p:grpSpPr>
+      <p:sp>
+        <p:nvSpPr>
+          <p:cNvPr id="2" name="Symbol zastępczy obrazu slajdu 1"/>
+          <p:cNvSpPr>
+            <a:spLocks noGrp="1" noRot="1" noChangeAspect="1"/>
+          </p:cNvSpPr>
+          <p:nvPr>
+            <p:ph type="sldImg"/>
+          </p:nvPr>
+        </p:nvSpPr>
+        <p:spPr/>
+      </p:sp>
+      <p:sp>
+        <p:nvSpPr>
+          <p:cNvPr id="3" name="Symbol zastępczy notatek 2"/>
+          <p:cNvSpPr>
+            <a:spLocks noGrp="1"/>
+          </p:cNvSpPr>
+          <p:nvPr>
+            <p:ph type="body" idx="1"/>
+          </p:nvPr>
+        </p:nvSpPr>
+        <p:spPr/>
+        <p:txBody>
+          <a:bodyPr/>
+          <a:lstStyle/>
+          <a:p>
+            <a:endParaRPr lang="pl-PL"/>
+          </a:p>
+        </p:txBody>
+      </p:sp>
+      <p:sp>
+        <p:nvSpPr>
+          <p:cNvPr id="4" name="Symbol zastępczy numeru slajdu 3"/>
+          <p:cNvSpPr>
+            <a:spLocks noGrp="1"/>
+          </p:cNvSpPr>
+          <p:nvPr>
+            <p:ph type="sldNum" sz="quarter" idx="5"/>
+          </p:nvPr>
+        </p:nvSpPr>
+        <p:spPr/>
+        <p:txBody>
+          <a:bodyPr/>
+          <a:lstStyle/>
+          <a:p>
+            <a:fld id="{66B227B7-A629-4B1E-9621-087724A93CC7}" type="slidenum">
+              <a:rPr lang="pl-PL" smtClean="0"/>
+              <a:t>7</a:t>
+            </a:fld>
+            <a:endParaRPr lang="pl-PL"/>
+          </a:p>
+        </p:txBody>
+      </p:sp>
+    </p:spTree>
+    <p:extLst>
+      <p:ext uri="{BB962C8B-B14F-4D97-AF65-F5344CB8AC3E}">
+        <p14:creationId xmlns:p14="http://schemas.microsoft.com/office/powerpoint/2010/main" val="1280585379"/>
+      </p:ext>
+    </p:extLst>
+  </p:cSld>
+  <p:clrMapOvr>
+    <a:masterClrMapping/>
+  </p:clrMapOvr>
+</p:notes>
+</file>
+
 <file path=ppt/slideLayouts/slideLayout1.xml><?xml version="1.0" encoding="utf-8"?>
 <p:sldLayout xmlns:a="http://schemas.openxmlformats.org/drawingml/2006/main" xmlns:r="http://schemas.openxmlformats.org/officeDocument/2006/relationships" xmlns:p="http://schemas.openxmlformats.org/presentationml/2006/main" type="title" preserve="1">
   <p:cSld name="Slajd tytułowy">
@@ -281,7 +717,7 @@
           <a:p>
             <a:fld id="{0C1A7356-0347-4482-95FA-022A0694F35A}" type="datetimeFigureOut">
               <a:rPr lang="pl-PL" smtClean="0"/>
-              <a:t>02.07.2024</a:t>
+              <a:t>07.07.2024</a:t>
             </a:fld>
             <a:endParaRPr lang="pl-PL"/>
           </a:p>
@@ -479,7 +915,7 @@
           <a:p>
             <a:fld id="{0C1A7356-0347-4482-95FA-022A0694F35A}" type="datetimeFigureOut">
               <a:rPr lang="pl-PL" smtClean="0"/>
-              <a:t>02.07.2024</a:t>
+              <a:t>07.07.2024</a:t>
             </a:fld>
             <a:endParaRPr lang="pl-PL"/>
           </a:p>
@@ -687,7 +1123,7 @@
           <a:p>
             <a:fld id="{0C1A7356-0347-4482-95FA-022A0694F35A}" type="datetimeFigureOut">
               <a:rPr lang="pl-PL" smtClean="0"/>
-              <a:t>02.07.2024</a:t>
+              <a:t>07.07.2024</a:t>
             </a:fld>
             <a:endParaRPr lang="pl-PL"/>
           </a:p>
@@ -885,7 +1321,7 @@
           <a:p>
             <a:fld id="{0C1A7356-0347-4482-95FA-022A0694F35A}" type="datetimeFigureOut">
               <a:rPr lang="pl-PL" smtClean="0"/>
-              <a:t>02.07.2024</a:t>
+              <a:t>07.07.2024</a:t>
             </a:fld>
             <a:endParaRPr lang="pl-PL"/>
           </a:p>
@@ -1160,7 +1596,7 @@
           <a:p>
             <a:fld id="{0C1A7356-0347-4482-95FA-022A0694F35A}" type="datetimeFigureOut">
               <a:rPr lang="pl-PL" smtClean="0"/>
-              <a:t>02.07.2024</a:t>
+              <a:t>07.07.2024</a:t>
             </a:fld>
             <a:endParaRPr lang="pl-PL"/>
           </a:p>
@@ -1425,7 +1861,7 @@
           <a:p>
             <a:fld id="{0C1A7356-0347-4482-95FA-022A0694F35A}" type="datetimeFigureOut">
               <a:rPr lang="pl-PL" smtClean="0"/>
-              <a:t>02.07.2024</a:t>
+              <a:t>07.07.2024</a:t>
             </a:fld>
             <a:endParaRPr lang="pl-PL"/>
           </a:p>
@@ -1837,7 +2273,7 @@
           <a:p>
             <a:fld id="{0C1A7356-0347-4482-95FA-022A0694F35A}" type="datetimeFigureOut">
               <a:rPr lang="pl-PL" smtClean="0"/>
-              <a:t>02.07.2024</a:t>
+              <a:t>07.07.2024</a:t>
             </a:fld>
             <a:endParaRPr lang="pl-PL"/>
           </a:p>
@@ -1978,7 +2414,7 @@
           <a:p>
             <a:fld id="{0C1A7356-0347-4482-95FA-022A0694F35A}" type="datetimeFigureOut">
               <a:rPr lang="pl-PL" smtClean="0"/>
-              <a:t>02.07.2024</a:t>
+              <a:t>07.07.2024</a:t>
             </a:fld>
             <a:endParaRPr lang="pl-PL"/>
           </a:p>
@@ -2091,7 +2527,7 @@
           <a:p>
             <a:fld id="{0C1A7356-0347-4482-95FA-022A0694F35A}" type="datetimeFigureOut">
               <a:rPr lang="pl-PL" smtClean="0"/>
-              <a:t>02.07.2024</a:t>
+              <a:t>07.07.2024</a:t>
             </a:fld>
             <a:endParaRPr lang="pl-PL"/>
           </a:p>
@@ -2402,7 +2838,7 @@
           <a:p>
             <a:fld id="{0C1A7356-0347-4482-95FA-022A0694F35A}" type="datetimeFigureOut">
               <a:rPr lang="pl-PL" smtClean="0"/>
-              <a:t>02.07.2024</a:t>
+              <a:t>07.07.2024</a:t>
             </a:fld>
             <a:endParaRPr lang="pl-PL"/>
           </a:p>
@@ -2690,7 +3126,7 @@
           <a:p>
             <a:fld id="{0C1A7356-0347-4482-95FA-022A0694F35A}" type="datetimeFigureOut">
               <a:rPr lang="pl-PL" smtClean="0"/>
-              <a:t>02.07.2024</a:t>
+              <a:t>07.07.2024</a:t>
             </a:fld>
             <a:endParaRPr lang="pl-PL"/>
           </a:p>
@@ -2934,7 +3370,7 @@
           <a:p>
             <a:fld id="{0C1A7356-0347-4482-95FA-022A0694F35A}" type="datetimeFigureOut">
               <a:rPr lang="pl-PL" smtClean="0"/>
-              <a:t>02.07.2024</a:t>
+              <a:t>07.07.2024</a:t>
             </a:fld>
             <a:endParaRPr lang="pl-PL"/>
           </a:p>
@@ -3351,8 +3787,8 @@
           <a:chExt cx="0" cy="0"/>
         </a:xfrm>
       </p:grpSpPr>
-      <mc:AlternateContent xmlns:mc="http://schemas.openxmlformats.org/markup-compatibility/2006">
-        <mc:Choice xmlns:a14="http://schemas.microsoft.com/office/drawing/2010/main" Requires="a14">
+      <mc:AlternateContent xmlns:mc="http://schemas.openxmlformats.org/markup-compatibility/2006" xmlns:a14="http://schemas.microsoft.com/office/drawing/2010/main">
+        <mc:Choice Requires="a14">
           <p:sp>
             <p:nvSpPr>
               <p:cNvPr id="6" name="pole tekstowe 5">
@@ -3442,7 +3878,7 @@
             </p:txBody>
           </p:sp>
         </mc:Choice>
-        <mc:Fallback>
+        <mc:Fallback xmlns="">
           <p:sp>
             <p:nvSpPr>
               <p:cNvPr id="6" name="pole tekstowe 5">
@@ -3497,13 +3933,13 @@
   <p:clrMapOvr>
     <a:masterClrMapping/>
   </p:clrMapOvr>
-  <mc:AlternateContent xmlns:mc="http://schemas.openxmlformats.org/markup-compatibility/2006">
-    <mc:Choice xmlns:p159="http://schemas.microsoft.com/office/powerpoint/2015/09/main" Requires="p159">
+  <mc:AlternateContent xmlns:mc="http://schemas.openxmlformats.org/markup-compatibility/2006" xmlns:p159="http://schemas.microsoft.com/office/powerpoint/2015/09/main">
+    <mc:Choice Requires="p159">
       <p:transition xmlns:p14="http://schemas.microsoft.com/office/powerpoint/2010/main" spd="slow" p14:dur="2000">
         <p159:morph option="byObject"/>
       </p:transition>
     </mc:Choice>
-    <mc:Fallback>
+    <mc:Fallback xmlns="">
       <p:transition spd="slow">
         <p:fade/>
       </p:transition>
@@ -4901,8 +5337,8 @@
           </a:p>
         </p:txBody>
       </p:sp>
-      <mc:AlternateContent xmlns:mc="http://schemas.openxmlformats.org/markup-compatibility/2006">
-        <mc:Choice xmlns:a14="http://schemas.microsoft.com/office/drawing/2010/main" Requires="a14">
+      <mc:AlternateContent xmlns:mc="http://schemas.openxmlformats.org/markup-compatibility/2006" xmlns:a14="http://schemas.microsoft.com/office/drawing/2010/main">
+        <mc:Choice Requires="a14">
           <p:sp>
             <p:nvSpPr>
               <p:cNvPr id="27" name="pole tekstowe 26">
@@ -4973,7 +5409,7 @@
             </p:txBody>
           </p:sp>
         </mc:Choice>
-        <mc:Fallback>
+        <mc:Fallback xmlns="">
           <p:sp>
             <p:nvSpPr>
               <p:cNvPr id="27" name="pole tekstowe 26">
@@ -5074,8 +5510,8 @@
           </a:p>
         </p:txBody>
       </p:sp>
-      <mc:AlternateContent xmlns:mc="http://schemas.openxmlformats.org/markup-compatibility/2006">
-        <mc:Choice xmlns:a14="http://schemas.microsoft.com/office/drawing/2010/main" Requires="a14">
+      <mc:AlternateContent xmlns:mc="http://schemas.openxmlformats.org/markup-compatibility/2006" xmlns:a14="http://schemas.microsoft.com/office/drawing/2010/main">
+        <mc:Choice Requires="a14">
           <p:sp>
             <p:nvSpPr>
               <p:cNvPr id="41" name="pole tekstowe 40">
@@ -5176,7 +5612,7 @@
             </p:txBody>
           </p:sp>
         </mc:Choice>
-        <mc:Fallback>
+        <mc:Fallback xmlns="">
           <p:sp>
             <p:nvSpPr>
               <p:cNvPr id="41" name="pole tekstowe 40">
@@ -5369,13 +5805,13 @@
   <p:clrMapOvr>
     <a:masterClrMapping/>
   </p:clrMapOvr>
-  <mc:AlternateContent xmlns:mc="http://schemas.openxmlformats.org/markup-compatibility/2006">
-    <mc:Choice xmlns:p159="http://schemas.microsoft.com/office/powerpoint/2015/09/main" Requires="p159">
+  <mc:AlternateContent xmlns:mc="http://schemas.openxmlformats.org/markup-compatibility/2006" xmlns:p159="http://schemas.microsoft.com/office/powerpoint/2015/09/main">
+    <mc:Choice Requires="p159">
       <p:transition xmlns:p14="http://schemas.microsoft.com/office/powerpoint/2010/main" spd="slow" p14:dur="2000">
         <p159:morph option="byObject"/>
       </p:transition>
     </mc:Choice>
-    <mc:Fallback>
+    <mc:Fallback xmlns="">
       <p:transition spd="slow">
         <p:fade/>
       </p:transition>
@@ -6762,8 +7198,8 @@
           </a:p>
         </p:txBody>
       </p:sp>
-      <mc:AlternateContent xmlns:mc="http://schemas.openxmlformats.org/markup-compatibility/2006">
-        <mc:Choice xmlns:a14="http://schemas.microsoft.com/office/drawing/2010/main" Requires="a14">
+      <mc:AlternateContent xmlns:mc="http://schemas.openxmlformats.org/markup-compatibility/2006" xmlns:a14="http://schemas.microsoft.com/office/drawing/2010/main">
+        <mc:Choice Requires="a14">
           <p:sp>
             <p:nvSpPr>
               <p:cNvPr id="27" name="pole tekstowe 26">
@@ -6821,7 +7257,7 @@
             </p:txBody>
           </p:sp>
         </mc:Choice>
-        <mc:Fallback>
+        <mc:Fallback xmlns="">
           <p:sp>
             <p:nvSpPr>
               <p:cNvPr id="27" name="pole tekstowe 26">
@@ -6917,13 +7353,13 @@
   <p:clrMapOvr>
     <a:masterClrMapping/>
   </p:clrMapOvr>
-  <mc:AlternateContent xmlns:mc="http://schemas.openxmlformats.org/markup-compatibility/2006">
-    <mc:Choice xmlns:p159="http://schemas.microsoft.com/office/powerpoint/2015/09/main" Requires="p159">
+  <mc:AlternateContent xmlns:mc="http://schemas.openxmlformats.org/markup-compatibility/2006" xmlns:p159="http://schemas.microsoft.com/office/powerpoint/2015/09/main">
+    <mc:Choice Requires="p159">
       <p:transition xmlns:p14="http://schemas.microsoft.com/office/powerpoint/2010/main" spd="slow" p14:dur="2000">
         <p159:morph option="byObject"/>
       </p:transition>
     </mc:Choice>
-    <mc:Fallback>
+    <mc:Fallback xmlns="">
       <p:transition spd="slow">
         <p:fade/>
       </p:transition>
@@ -8613,7 +9049,16 @@
                           </a:solidFill>
                           <a:latin typeface="Cambria Math" panose="02040503050406030204" pitchFamily="18" charset="0"/>
                         </a:rPr>
-                        <m:t>&gt;2</m:t>
+                        <m:t>≥</m:t>
+                      </m:r>
+                      <m:r>
+                        <a:rPr lang="pl-PL" sz="2500" b="0" i="1" smtClean="0">
+                          <a:solidFill>
+                            <a:schemeClr val="bg1"/>
+                          </a:solidFill>
+                          <a:latin typeface="Cambria Math" panose="02040503050406030204" pitchFamily="18" charset="0"/>
+                        </a:rPr>
+                        <m:t>2</m:t>
                       </m:r>
                     </m:oMath>
                   </m:oMathPara>
@@ -8719,13 +9164,13 @@
   <p:clrMapOvr>
     <a:masterClrMapping/>
   </p:clrMapOvr>
-  <mc:AlternateContent xmlns:mc="http://schemas.openxmlformats.org/markup-compatibility/2006">
-    <mc:Choice xmlns:p159="http://schemas.microsoft.com/office/powerpoint/2015/09/main" Requires="p159">
+  <mc:AlternateContent xmlns:mc="http://schemas.openxmlformats.org/markup-compatibility/2006" xmlns:p159="http://schemas.microsoft.com/office/powerpoint/2015/09/main">
+    <mc:Choice Requires="p159">
       <p:transition xmlns:p14="http://schemas.microsoft.com/office/powerpoint/2010/main" spd="slow" p14:dur="2000">
         <p159:morph option="byObject"/>
       </p:transition>
     </mc:Choice>
-    <mc:Fallback>
+    <mc:Fallback xmlns="">
       <p:transition spd="slow">
         <p:fade/>
       </p:transition>
@@ -10327,13 +10772,13 @@
   <p:clrMapOvr>
     <a:masterClrMapping/>
   </p:clrMapOvr>
-  <mc:AlternateContent xmlns:mc="http://schemas.openxmlformats.org/markup-compatibility/2006">
-    <mc:Choice xmlns:p159="http://schemas.microsoft.com/office/powerpoint/2015/09/main" Requires="p159">
+  <mc:AlternateContent xmlns:mc="http://schemas.openxmlformats.org/markup-compatibility/2006" xmlns:p159="http://schemas.microsoft.com/office/powerpoint/2015/09/main">
+    <mc:Choice Requires="p159">
       <p:transition xmlns:p14="http://schemas.microsoft.com/office/powerpoint/2010/main" spd="slow" p14:dur="2000">
         <p159:morph option="byObject"/>
       </p:transition>
     </mc:Choice>
-    <mc:Fallback>
+    <mc:Fallback xmlns="">
       <p:transition spd="slow">
         <p:fade/>
       </p:transition>
@@ -11966,8 +12411,8 @@
           </a:p>
         </p:txBody>
       </p:sp>
-      <mc:AlternateContent xmlns:mc="http://schemas.openxmlformats.org/markup-compatibility/2006">
-        <mc:Choice xmlns:a14="http://schemas.microsoft.com/office/drawing/2010/main" Requires="a14">
+      <mc:AlternateContent xmlns:mc="http://schemas.openxmlformats.org/markup-compatibility/2006" xmlns:a14="http://schemas.microsoft.com/office/drawing/2010/main">
+        <mc:Choice Requires="a14">
           <p:sp>
             <p:nvSpPr>
               <p:cNvPr id="20" name="pole tekstowe 19">
@@ -12025,7 +12470,7 @@
             </p:txBody>
           </p:sp>
         </mc:Choice>
-        <mc:Fallback>
+        <mc:Fallback xmlns="">
           <p:sp>
             <p:nvSpPr>
               <p:cNvPr id="20" name="pole tekstowe 19">
@@ -12121,13 +12566,13 @@
   <p:clrMapOvr>
     <a:masterClrMapping/>
   </p:clrMapOvr>
-  <mc:AlternateContent xmlns:mc="http://schemas.openxmlformats.org/markup-compatibility/2006">
-    <mc:Choice xmlns:p159="http://schemas.microsoft.com/office/powerpoint/2015/09/main" Requires="p159">
+  <mc:AlternateContent xmlns:mc="http://schemas.openxmlformats.org/markup-compatibility/2006" xmlns:p159="http://schemas.microsoft.com/office/powerpoint/2015/09/main">
+    <mc:Choice Requires="p159">
       <p:transition xmlns:p14="http://schemas.microsoft.com/office/powerpoint/2010/main" spd="slow" p14:dur="2000">
         <p159:morph option="byObject"/>
       </p:transition>
     </mc:Choice>
-    <mc:Fallback>
+    <mc:Fallback xmlns="">
       <p:transition spd="slow">
         <p:fade/>
       </p:transition>
@@ -13811,13 +14256,13 @@
   <p:clrMapOvr>
     <a:masterClrMapping/>
   </p:clrMapOvr>
-  <mc:AlternateContent xmlns:mc="http://schemas.openxmlformats.org/markup-compatibility/2006">
-    <mc:Choice xmlns:p159="http://schemas.microsoft.com/office/powerpoint/2015/09/main" Requires="p159">
+  <mc:AlternateContent xmlns:mc="http://schemas.openxmlformats.org/markup-compatibility/2006" xmlns:p159="http://schemas.microsoft.com/office/powerpoint/2015/09/main">
+    <mc:Choice Requires="p159">
       <p:transition xmlns:p14="http://schemas.microsoft.com/office/powerpoint/2010/main" spd="slow" p14:dur="2000">
         <p159:morph option="byObject"/>
       </p:transition>
     </mc:Choice>
-    <mc:Fallback>
+    <mc:Fallback xmlns="">
       <p:transition spd="slow">
         <p:fade/>
       </p:transition>
@@ -15542,13 +15987,13 @@
   <p:clrMapOvr>
     <a:masterClrMapping/>
   </p:clrMapOvr>
-  <mc:AlternateContent xmlns:mc="http://schemas.openxmlformats.org/markup-compatibility/2006">
-    <mc:Choice xmlns:p159="http://schemas.microsoft.com/office/powerpoint/2015/09/main" Requires="p159">
+  <mc:AlternateContent xmlns:mc="http://schemas.openxmlformats.org/markup-compatibility/2006" xmlns:p159="http://schemas.microsoft.com/office/powerpoint/2015/09/main">
+    <mc:Choice Requires="p159">
       <p:transition xmlns:p14="http://schemas.microsoft.com/office/powerpoint/2010/main" spd="slow" p14:dur="2000">
         <p159:morph option="byObject"/>
       </p:transition>
     </mc:Choice>
-    <mc:Fallback>
+    <mc:Fallback xmlns="">
       <p:transition spd="slow">
         <p:fade/>
       </p:transition>
@@ -17314,13 +17759,13 @@
   <p:clrMapOvr>
     <a:masterClrMapping/>
   </p:clrMapOvr>
-  <mc:AlternateContent xmlns:mc="http://schemas.openxmlformats.org/markup-compatibility/2006">
-    <mc:Choice xmlns:p159="http://schemas.microsoft.com/office/powerpoint/2015/09/main" Requires="p159">
+  <mc:AlternateContent xmlns:mc="http://schemas.openxmlformats.org/markup-compatibility/2006" xmlns:p159="http://schemas.microsoft.com/office/powerpoint/2015/09/main">
+    <mc:Choice Requires="p159">
       <p:transition xmlns:p14="http://schemas.microsoft.com/office/powerpoint/2010/main" spd="slow" p14:dur="2000">
         <p159:morph option="byObject"/>
       </p:transition>
     </mc:Choice>
-    <mc:Fallback>
+    <mc:Fallback xmlns="">
       <p:transition spd="slow">
         <p:fade/>
       </p:transition>
@@ -18963,8 +19408,8 @@
           </a:p>
         </p:txBody>
       </p:sp>
-      <mc:AlternateContent xmlns:mc="http://schemas.openxmlformats.org/markup-compatibility/2006">
-        <mc:Choice xmlns:a14="http://schemas.microsoft.com/office/drawing/2010/main" Requires="a14">
+      <mc:AlternateContent xmlns:mc="http://schemas.openxmlformats.org/markup-compatibility/2006" xmlns:a14="http://schemas.microsoft.com/office/drawing/2010/main">
+        <mc:Choice Requires="a14">
           <p:sp>
             <p:nvSpPr>
               <p:cNvPr id="20" name="pole tekstowe 19">
@@ -19054,7 +19499,7 @@
             </p:txBody>
           </p:sp>
         </mc:Choice>
-        <mc:Fallback>
+        <mc:Fallback xmlns="">
           <p:sp>
             <p:nvSpPr>
               <p:cNvPr id="20" name="pole tekstowe 19">
@@ -19109,13 +19554,13 @@
   <p:clrMapOvr>
     <a:masterClrMapping/>
   </p:clrMapOvr>
-  <mc:AlternateContent xmlns:mc="http://schemas.openxmlformats.org/markup-compatibility/2006">
-    <mc:Choice xmlns:p159="http://schemas.microsoft.com/office/powerpoint/2015/09/main" Requires="p159">
+  <mc:AlternateContent xmlns:mc="http://schemas.openxmlformats.org/markup-compatibility/2006" xmlns:p159="http://schemas.microsoft.com/office/powerpoint/2015/09/main">
+    <mc:Choice Requires="p159">
       <p:transition xmlns:p14="http://schemas.microsoft.com/office/powerpoint/2010/main" spd="slow" p14:dur="2000">
         <p159:morph option="byObject"/>
       </p:transition>
     </mc:Choice>
-    <mc:Fallback>
+    <mc:Fallback xmlns="">
       <p:transition spd="slow">
         <p:fade/>
       </p:transition>
@@ -19496,13 +19941,13 @@
   <p:clrMapOvr>
     <a:masterClrMapping/>
   </p:clrMapOvr>
-  <mc:AlternateContent xmlns:mc="http://schemas.openxmlformats.org/markup-compatibility/2006">
-    <mc:Choice xmlns:p159="http://schemas.microsoft.com/office/powerpoint/2015/09/main" Requires="p159">
+  <mc:AlternateContent xmlns:mc="http://schemas.openxmlformats.org/markup-compatibility/2006" xmlns:p159="http://schemas.microsoft.com/office/powerpoint/2015/09/main">
+    <mc:Choice Requires="p159">
       <p:transition xmlns:p14="http://schemas.microsoft.com/office/powerpoint/2010/main" spd="slow" p14:dur="2000">
         <p159:morph option="byObject"/>
       </p:transition>
     </mc:Choice>
-    <mc:Fallback>
+    <mc:Fallback xmlns="">
       <p:transition spd="slow">
         <p:fade/>
       </p:transition>
@@ -19528,8 +19973,8 @@
           <a:chExt cx="0" cy="0"/>
         </a:xfrm>
       </p:grpSpPr>
-      <mc:AlternateContent xmlns:mc="http://schemas.openxmlformats.org/markup-compatibility/2006">
-        <mc:Choice xmlns:a14="http://schemas.microsoft.com/office/drawing/2010/main" Requires="a14">
+      <mc:AlternateContent xmlns:mc="http://schemas.openxmlformats.org/markup-compatibility/2006" xmlns:a14="http://schemas.microsoft.com/office/drawing/2010/main">
+        <mc:Choice Requires="a14">
           <p:sp>
             <p:nvSpPr>
               <p:cNvPr id="6" name="pole tekstowe 5">
@@ -19619,7 +20064,7 @@
             </p:txBody>
           </p:sp>
         </mc:Choice>
-        <mc:Fallback>
+        <mc:Fallback xmlns="">
           <p:sp>
             <p:nvSpPr>
               <p:cNvPr id="6" name="pole tekstowe 5">
@@ -20475,13 +20920,13 @@
   <p:clrMapOvr>
     <a:masterClrMapping/>
   </p:clrMapOvr>
-  <mc:AlternateContent xmlns:mc="http://schemas.openxmlformats.org/markup-compatibility/2006">
-    <mc:Choice xmlns:p159="http://schemas.microsoft.com/office/powerpoint/2015/09/main" Requires="p159">
+  <mc:AlternateContent xmlns:mc="http://schemas.openxmlformats.org/markup-compatibility/2006" xmlns:p159="http://schemas.microsoft.com/office/powerpoint/2015/09/main">
+    <mc:Choice Requires="p159">
       <p:transition xmlns:p14="http://schemas.microsoft.com/office/powerpoint/2010/main" spd="slow" p14:dur="2000">
         <p159:morph option="byObject"/>
       </p:transition>
     </mc:Choice>
-    <mc:Fallback>
+    <mc:Fallback xmlns="">
       <p:transition spd="slow">
         <p:fade/>
       </p:transition>
@@ -21024,8 +21469,8 @@
           </a:p>
         </p:txBody>
       </p:sp>
-      <mc:AlternateContent xmlns:mc="http://schemas.openxmlformats.org/markup-compatibility/2006">
-        <mc:Choice xmlns:a14="http://schemas.microsoft.com/office/drawing/2010/main" Requires="a14">
+      <mc:AlternateContent xmlns:mc="http://schemas.openxmlformats.org/markup-compatibility/2006" xmlns:a14="http://schemas.microsoft.com/office/drawing/2010/main">
+        <mc:Choice Requires="a14">
           <p:sp>
             <p:nvSpPr>
               <p:cNvPr id="8" name="pole tekstowe 7">
@@ -21117,7 +21562,7 @@
             </p:txBody>
           </p:sp>
         </mc:Choice>
-        <mc:Fallback>
+        <mc:Fallback xmlns="">
           <p:sp>
             <p:nvSpPr>
               <p:cNvPr id="8" name="pole tekstowe 7">
@@ -21224,13 +21669,13 @@
   <p:clrMapOvr>
     <a:masterClrMapping/>
   </p:clrMapOvr>
-  <mc:AlternateContent xmlns:mc="http://schemas.openxmlformats.org/markup-compatibility/2006">
-    <mc:Choice xmlns:p159="http://schemas.microsoft.com/office/powerpoint/2015/09/main" Requires="p159">
+  <mc:AlternateContent xmlns:mc="http://schemas.openxmlformats.org/markup-compatibility/2006" xmlns:p159="http://schemas.microsoft.com/office/powerpoint/2015/09/main">
+    <mc:Choice Requires="p159">
       <p:transition xmlns:p14="http://schemas.microsoft.com/office/powerpoint/2010/main" spd="slow" p14:dur="2000">
         <p159:morph option="byObject"/>
       </p:transition>
     </mc:Choice>
-    <mc:Fallback>
+    <mc:Fallback xmlns="">
       <p:transition spd="slow">
         <p:fade/>
       </p:transition>
@@ -21822,8 +22267,8 @@
           </a:p>
         </p:txBody>
       </p:sp>
-      <mc:AlternateContent xmlns:mc="http://schemas.openxmlformats.org/markup-compatibility/2006">
-        <mc:Choice xmlns:a14="http://schemas.microsoft.com/office/drawing/2010/main" Requires="a14">
+      <mc:AlternateContent xmlns:mc="http://schemas.openxmlformats.org/markup-compatibility/2006" xmlns:a14="http://schemas.microsoft.com/office/drawing/2010/main">
+        <mc:Choice Requires="a14">
           <p:sp>
             <p:nvSpPr>
               <p:cNvPr id="7" name="pole tekstowe 6">
@@ -21915,7 +22360,7 @@
             </p:txBody>
           </p:sp>
         </mc:Choice>
-        <mc:Fallback>
+        <mc:Fallback xmlns="">
           <p:sp>
             <p:nvSpPr>
               <p:cNvPr id="7" name="pole tekstowe 6">
@@ -21960,8 +22405,8 @@
           </p:sp>
         </mc:Fallback>
       </mc:AlternateContent>
-      <mc:AlternateContent xmlns:mc="http://schemas.openxmlformats.org/markup-compatibility/2006">
-        <mc:Choice xmlns:a14="http://schemas.microsoft.com/office/drawing/2010/main" Requires="a14">
+      <mc:AlternateContent xmlns:mc="http://schemas.openxmlformats.org/markup-compatibility/2006" xmlns:a14="http://schemas.microsoft.com/office/drawing/2010/main">
+        <mc:Choice Requires="a14">
           <p:sp>
             <p:nvSpPr>
               <p:cNvPr id="8" name="pole tekstowe 7">
@@ -22269,7 +22714,7 @@
             </p:txBody>
           </p:sp>
         </mc:Choice>
-        <mc:Fallback>
+        <mc:Fallback xmlns="">
           <p:sp>
             <p:nvSpPr>
               <p:cNvPr id="8" name="pole tekstowe 7">
@@ -22324,13 +22769,13 @@
   <p:clrMapOvr>
     <a:masterClrMapping/>
   </p:clrMapOvr>
-  <mc:AlternateContent xmlns:mc="http://schemas.openxmlformats.org/markup-compatibility/2006">
-    <mc:Choice xmlns:p159="http://schemas.microsoft.com/office/powerpoint/2015/09/main" Requires="p159">
+  <mc:AlternateContent xmlns:mc="http://schemas.openxmlformats.org/markup-compatibility/2006" xmlns:p159="http://schemas.microsoft.com/office/powerpoint/2015/09/main">
+    <mc:Choice Requires="p159">
       <p:transition xmlns:p14="http://schemas.microsoft.com/office/powerpoint/2010/main" spd="slow" p14:dur="2000">
         <p159:morph option="byObject"/>
       </p:transition>
     </mc:Choice>
-    <mc:Fallback>
+    <mc:Fallback xmlns="">
       <p:transition spd="slow">
         <p:fade/>
       </p:transition>
@@ -22922,8 +23367,8 @@
           </a:p>
         </p:txBody>
       </p:sp>
-      <mc:AlternateContent xmlns:mc="http://schemas.openxmlformats.org/markup-compatibility/2006">
-        <mc:Choice xmlns:a14="http://schemas.microsoft.com/office/drawing/2010/main" Requires="a14">
+      <mc:AlternateContent xmlns:mc="http://schemas.openxmlformats.org/markup-compatibility/2006" xmlns:a14="http://schemas.microsoft.com/office/drawing/2010/main">
+        <mc:Choice Requires="a14">
           <p:sp>
             <p:nvSpPr>
               <p:cNvPr id="7" name="pole tekstowe 6">
@@ -23015,7 +23460,7 @@
             </p:txBody>
           </p:sp>
         </mc:Choice>
-        <mc:Fallback>
+        <mc:Fallback xmlns="">
           <p:sp>
             <p:nvSpPr>
               <p:cNvPr id="7" name="pole tekstowe 6">
@@ -23060,8 +23505,8 @@
           </p:sp>
         </mc:Fallback>
       </mc:AlternateContent>
-      <mc:AlternateContent xmlns:mc="http://schemas.openxmlformats.org/markup-compatibility/2006">
-        <mc:Choice xmlns:a14="http://schemas.microsoft.com/office/drawing/2010/main" Requires="a14">
+      <mc:AlternateContent xmlns:mc="http://schemas.openxmlformats.org/markup-compatibility/2006" xmlns:a14="http://schemas.microsoft.com/office/drawing/2010/main">
+        <mc:Choice Requires="a14">
           <p:sp>
             <p:nvSpPr>
               <p:cNvPr id="9" name="pole tekstowe 8">
@@ -23369,7 +23814,7 @@
             </p:txBody>
           </p:sp>
         </mc:Choice>
-        <mc:Fallback>
+        <mc:Fallback xmlns="">
           <p:sp>
             <p:nvSpPr>
               <p:cNvPr id="9" name="pole tekstowe 8">
@@ -23424,13 +23869,13 @@
   <p:clrMapOvr>
     <a:masterClrMapping/>
   </p:clrMapOvr>
-  <mc:AlternateContent xmlns:mc="http://schemas.openxmlformats.org/markup-compatibility/2006">
-    <mc:Choice xmlns:p159="http://schemas.microsoft.com/office/powerpoint/2015/09/main" Requires="p159">
+  <mc:AlternateContent xmlns:mc="http://schemas.openxmlformats.org/markup-compatibility/2006" xmlns:p159="http://schemas.microsoft.com/office/powerpoint/2015/09/main">
+    <mc:Choice Requires="p159">
       <p:transition xmlns:p14="http://schemas.microsoft.com/office/powerpoint/2010/main" spd="slow" p14:dur="2000">
         <p159:morph option="byObject"/>
       </p:transition>
     </mc:Choice>
-    <mc:Fallback>
+    <mc:Fallback xmlns="">
       <p:transition spd="slow">
         <p:fade/>
       </p:transition>
@@ -24035,7 +24480,7 @@
         </p:nvSpPr>
         <p:spPr>
           <a:xfrm>
-            <a:off x="2957663" y="5388832"/>
+            <a:off x="2590018" y="5388832"/>
             <a:ext cx="1005840" cy="1005840"/>
           </a:xfrm>
           <a:prstGeom prst="rect">
@@ -24079,8 +24524,8 @@
           </a:p>
         </p:txBody>
       </p:sp>
-      <mc:AlternateContent xmlns:mc="http://schemas.openxmlformats.org/markup-compatibility/2006">
-        <mc:Choice xmlns:a14="http://schemas.microsoft.com/office/drawing/2010/main" Requires="a14">
+      <mc:AlternateContent xmlns:mc="http://schemas.openxmlformats.org/markup-compatibility/2006" xmlns:a14="http://schemas.microsoft.com/office/drawing/2010/main">
+        <mc:Choice Requires="a14">
           <p:sp>
             <p:nvSpPr>
               <p:cNvPr id="9" name="pole tekstowe 8">
@@ -24172,7 +24617,7 @@
             </p:txBody>
           </p:sp>
         </mc:Choice>
-        <mc:Fallback>
+        <mc:Fallback xmlns="">
           <p:sp>
             <p:nvSpPr>
               <p:cNvPr id="9" name="pole tekstowe 8">
@@ -24231,7 +24676,7 @@
         </p:nvSpPr>
         <p:spPr>
           <a:xfrm>
-            <a:off x="-843821" y="5780377"/>
+            <a:off x="-1011668" y="5780377"/>
             <a:ext cx="12192000" cy="477054"/>
           </a:xfrm>
           <a:prstGeom prst="rect">
@@ -24268,13 +24713,13 @@
   <p:clrMapOvr>
     <a:masterClrMapping/>
   </p:clrMapOvr>
-  <mc:AlternateContent xmlns:mc="http://schemas.openxmlformats.org/markup-compatibility/2006">
-    <mc:Choice xmlns:p159="http://schemas.microsoft.com/office/powerpoint/2015/09/main" Requires="p159">
+  <mc:AlternateContent xmlns:mc="http://schemas.openxmlformats.org/markup-compatibility/2006" xmlns:p159="http://schemas.microsoft.com/office/powerpoint/2015/09/main">
+    <mc:Choice Requires="p159">
       <p:transition xmlns:p14="http://schemas.microsoft.com/office/powerpoint/2010/main" spd="slow" p14:dur="2000">
         <p159:morph option="byObject"/>
       </p:transition>
     </mc:Choice>
-    <mc:Fallback>
+    <mc:Fallback xmlns="">
       <p:transition spd="slow">
         <p:fade/>
       </p:transition>
@@ -25152,13 +25597,13 @@
   <p:clrMapOvr>
     <a:masterClrMapping/>
   </p:clrMapOvr>
-  <mc:AlternateContent xmlns:mc="http://schemas.openxmlformats.org/markup-compatibility/2006">
-    <mc:Choice xmlns:p159="http://schemas.microsoft.com/office/powerpoint/2015/09/main" Requires="p159">
+  <mc:AlternateContent xmlns:mc="http://schemas.openxmlformats.org/markup-compatibility/2006" xmlns:p159="http://schemas.microsoft.com/office/powerpoint/2015/09/main">
+    <mc:Choice Requires="p159">
       <p:transition xmlns:p14="http://schemas.microsoft.com/office/powerpoint/2010/main" spd="slow" p14:dur="2000">
         <p159:morph option="byObject"/>
       </p:transition>
     </mc:Choice>
-    <mc:Fallback>
+    <mc:Fallback xmlns="">
       <p:transition spd="slow">
         <p:fade/>
       </p:transition>
@@ -25985,8 +26430,8 @@
           </a:p>
         </p:txBody>
       </p:sp>
-      <mc:AlternateContent xmlns:mc="http://schemas.openxmlformats.org/markup-compatibility/2006">
-        <mc:Choice xmlns:a14="http://schemas.microsoft.com/office/drawing/2010/main" Requires="a14">
+      <mc:AlternateContent xmlns:mc="http://schemas.openxmlformats.org/markup-compatibility/2006" xmlns:a14="http://schemas.microsoft.com/office/drawing/2010/main">
+        <mc:Choice Requires="a14">
           <p:sp>
             <p:nvSpPr>
               <p:cNvPr id="52" name="pole tekstowe 51">
@@ -26120,7 +26565,7 @@
             </p:txBody>
           </p:sp>
         </mc:Choice>
-        <mc:Fallback>
+        <mc:Fallback xmlns="">
           <p:sp>
             <p:nvSpPr>
               <p:cNvPr id="52" name="pole tekstowe 51">
@@ -26607,13 +27052,13 @@
   <p:clrMapOvr>
     <a:masterClrMapping/>
   </p:clrMapOvr>
-  <mc:AlternateContent xmlns:mc="http://schemas.openxmlformats.org/markup-compatibility/2006">
-    <mc:Choice xmlns:p159="http://schemas.microsoft.com/office/powerpoint/2015/09/main" Requires="p159">
+  <mc:AlternateContent xmlns:mc="http://schemas.openxmlformats.org/markup-compatibility/2006" xmlns:p159="http://schemas.microsoft.com/office/powerpoint/2015/09/main">
+    <mc:Choice Requires="p159">
       <p:transition xmlns:p14="http://schemas.microsoft.com/office/powerpoint/2010/main" spd="slow" p14:dur="2000">
         <p159:morph option="byObject"/>
       </p:transition>
     </mc:Choice>
-    <mc:Fallback>
+    <mc:Fallback xmlns="">
       <p:transition spd="slow">
         <p:fade/>
       </p:transition>
@@ -28054,13 +28499,13 @@
   <p:clrMapOvr>
     <a:masterClrMapping/>
   </p:clrMapOvr>
-  <mc:AlternateContent xmlns:mc="http://schemas.openxmlformats.org/markup-compatibility/2006">
-    <mc:Choice xmlns:p159="http://schemas.microsoft.com/office/powerpoint/2015/09/main" Requires="p159">
+  <mc:AlternateContent xmlns:mc="http://schemas.openxmlformats.org/markup-compatibility/2006" xmlns:p159="http://schemas.microsoft.com/office/powerpoint/2015/09/main">
+    <mc:Choice Requires="p159">
       <p:transition xmlns:p14="http://schemas.microsoft.com/office/powerpoint/2010/main" spd="slow" p14:dur="2000">
         <p159:morph option="byObject"/>
       </p:transition>
     </mc:Choice>
-    <mc:Fallback>
+    <mc:Fallback xmlns="">
       <p:transition spd="slow">
         <p:fade/>
       </p:transition>
@@ -29427,13 +29872,13 @@
   <p:clrMapOvr>
     <a:masterClrMapping/>
   </p:clrMapOvr>
-  <mc:AlternateContent xmlns:mc="http://schemas.openxmlformats.org/markup-compatibility/2006">
-    <mc:Choice xmlns:p159="http://schemas.microsoft.com/office/powerpoint/2015/09/main" Requires="p159">
+  <mc:AlternateContent xmlns:mc="http://schemas.openxmlformats.org/markup-compatibility/2006" xmlns:p159="http://schemas.microsoft.com/office/powerpoint/2015/09/main">
+    <mc:Choice Requires="p159">
       <p:transition xmlns:p14="http://schemas.microsoft.com/office/powerpoint/2010/main" spd="slow" p14:dur="2000">
         <p159:morph option="byObject"/>
       </p:transition>
     </mc:Choice>
-    <mc:Fallback>
+    <mc:Fallback xmlns="">
       <p:transition spd="slow">
         <p:fade/>
       </p:transition>
@@ -30893,13 +31338,13 @@
   <p:clrMapOvr>
     <a:masterClrMapping/>
   </p:clrMapOvr>
-  <mc:AlternateContent xmlns:mc="http://schemas.openxmlformats.org/markup-compatibility/2006">
-    <mc:Choice xmlns:p159="http://schemas.microsoft.com/office/powerpoint/2015/09/main" Requires="p159">
+  <mc:AlternateContent xmlns:mc="http://schemas.openxmlformats.org/markup-compatibility/2006" xmlns:p159="http://schemas.microsoft.com/office/powerpoint/2015/09/main">
+    <mc:Choice Requires="p159">
       <p:transition xmlns:p14="http://schemas.microsoft.com/office/powerpoint/2010/main" spd="slow" p14:dur="2000">
         <p159:morph option="byObject"/>
       </p:transition>
     </mc:Choice>
-    <mc:Fallback>
+    <mc:Fallback xmlns="">
       <p:transition spd="slow">
         <p:fade/>
       </p:transition>
@@ -32296,13 +32741,13 @@
   <p:clrMapOvr>
     <a:masterClrMapping/>
   </p:clrMapOvr>
-  <mc:AlternateContent xmlns:mc="http://schemas.openxmlformats.org/markup-compatibility/2006">
-    <mc:Choice xmlns:p159="http://schemas.microsoft.com/office/powerpoint/2015/09/main" Requires="p159">
+  <mc:AlternateContent xmlns:mc="http://schemas.openxmlformats.org/markup-compatibility/2006" xmlns:p159="http://schemas.microsoft.com/office/powerpoint/2015/09/main">
+    <mc:Choice Requires="p159">
       <p:transition xmlns:p14="http://schemas.microsoft.com/office/powerpoint/2010/main" spd="slow" p14:dur="2000">
         <p159:morph option="byObject"/>
       </p:transition>
     </mc:Choice>
-    <mc:Fallback>
+    <mc:Fallback xmlns="">
       <p:transition spd="slow">
         <p:fade/>
       </p:transition>
@@ -33700,8 +34145,8 @@
           </a:p>
         </p:txBody>
       </p:sp>
-      <mc:AlternateContent xmlns:mc="http://schemas.openxmlformats.org/markup-compatibility/2006">
-        <mc:Choice xmlns:a14="http://schemas.microsoft.com/office/drawing/2010/main" Requires="a14">
+      <mc:AlternateContent xmlns:mc="http://schemas.openxmlformats.org/markup-compatibility/2006" xmlns:a14="http://schemas.microsoft.com/office/drawing/2010/main">
+        <mc:Choice Requires="a14">
           <p:sp>
             <p:nvSpPr>
               <p:cNvPr id="27" name="pole tekstowe 26">
@@ -33772,7 +34217,7 @@
             </p:txBody>
           </p:sp>
         </mc:Choice>
-        <mc:Fallback>
+        <mc:Fallback xmlns="">
           <p:sp>
             <p:nvSpPr>
               <p:cNvPr id="27" name="pole tekstowe 26">
@@ -33873,8 +34318,8 @@
           </a:p>
         </p:txBody>
       </p:sp>
-      <mc:AlternateContent xmlns:mc="http://schemas.openxmlformats.org/markup-compatibility/2006">
-        <mc:Choice xmlns:a14="http://schemas.microsoft.com/office/drawing/2010/main" Requires="a14">
+      <mc:AlternateContent xmlns:mc="http://schemas.openxmlformats.org/markup-compatibility/2006" xmlns:a14="http://schemas.microsoft.com/office/drawing/2010/main">
+        <mc:Choice Requires="a14">
           <p:sp>
             <p:nvSpPr>
               <p:cNvPr id="41" name="pole tekstowe 40">
@@ -33975,7 +34420,7 @@
             </p:txBody>
           </p:sp>
         </mc:Choice>
-        <mc:Fallback>
+        <mc:Fallback xmlns="">
           <p:sp>
             <p:nvSpPr>
               <p:cNvPr id="41" name="pole tekstowe 40">
@@ -34071,13 +34516,13 @@
   <p:clrMapOvr>
     <a:masterClrMapping/>
   </p:clrMapOvr>
-  <mc:AlternateContent xmlns:mc="http://schemas.openxmlformats.org/markup-compatibility/2006">
-    <mc:Choice xmlns:p159="http://schemas.microsoft.com/office/powerpoint/2015/09/main" Requires="p159">
+  <mc:AlternateContent xmlns:mc="http://schemas.openxmlformats.org/markup-compatibility/2006" xmlns:p159="http://schemas.microsoft.com/office/powerpoint/2015/09/main">
+    <mc:Choice Requires="p159">
       <p:transition xmlns:p14="http://schemas.microsoft.com/office/powerpoint/2010/main" spd="slow" p14:dur="2000">
         <p159:morph option="byObject"/>
       </p:transition>
     </mc:Choice>
-    <mc:Fallback>
+    <mc:Fallback xmlns="">
       <p:transition spd="slow">
         <p:fade/>
       </p:transition>
@@ -34399,4 +34844,319 @@
     </a:ext>
   </a:extLst>
 </a:theme>
+</file>
+
+<file path=ppt/theme/theme2.xml><?xml version="1.0" encoding="utf-8"?>
+<a:theme xmlns:a="http://schemas.openxmlformats.org/drawingml/2006/main" name="Motyw pakietu Office">
+  <a:themeElements>
+    <a:clrScheme name="Pakiet Office">
+      <a:dk1>
+        <a:sysClr val="windowText" lastClr="000000"/>
+      </a:dk1>
+      <a:lt1>
+        <a:sysClr val="window" lastClr="FFFFFF"/>
+      </a:lt1>
+      <a:dk2>
+        <a:srgbClr val="0E2841"/>
+      </a:dk2>
+      <a:lt2>
+        <a:srgbClr val="E8E8E8"/>
+      </a:lt2>
+      <a:accent1>
+        <a:srgbClr val="156082"/>
+      </a:accent1>
+      <a:accent2>
+        <a:srgbClr val="E97132"/>
+      </a:accent2>
+      <a:accent3>
+        <a:srgbClr val="196B24"/>
+      </a:accent3>
+      <a:accent4>
+        <a:srgbClr val="0F9ED5"/>
+      </a:accent4>
+      <a:accent5>
+        <a:srgbClr val="A02B93"/>
+      </a:accent5>
+      <a:accent6>
+        <a:srgbClr val="4EA72E"/>
+      </a:accent6>
+      <a:hlink>
+        <a:srgbClr val="467886"/>
+      </a:hlink>
+      <a:folHlink>
+        <a:srgbClr val="96607D"/>
+      </a:folHlink>
+    </a:clrScheme>
+    <a:fontScheme name="Pakiet Office">
+      <a:majorFont>
+        <a:latin typeface="Aptos Display" panose="02110004020202020204"/>
+        <a:ea typeface=""/>
+        <a:cs typeface=""/>
+        <a:font script="Jpan" typeface="游ゴシック Light"/>
+        <a:font script="Hang" typeface="맑은 고딕"/>
+        <a:font script="Hans" typeface="等线 Light"/>
+        <a:font script="Hant" typeface="新細明體"/>
+        <a:font script="Arab" typeface="Times New Roman"/>
+        <a:font script="Hebr" typeface="Times New Roman"/>
+        <a:font script="Thai" typeface="Angsana New"/>
+        <a:font script="Ethi" typeface="Nyala"/>
+        <a:font script="Beng" typeface="Vrinda"/>
+        <a:font script="Gujr" typeface="Shruti"/>
+        <a:font script="Khmr" typeface="MoolBoran"/>
+        <a:font script="Knda" typeface="Tunga"/>
+        <a:font script="Guru" typeface="Raavi"/>
+        <a:font script="Cans" typeface="Euphemia"/>
+        <a:font script="Cher" typeface="Plantagenet Cherokee"/>
+        <a:font script="Yiii" typeface="Microsoft Yi Baiti"/>
+        <a:font script="Tibt" typeface="Microsoft Himalaya"/>
+        <a:font script="Thaa" typeface="MV Boli"/>
+        <a:font script="Deva" typeface="Mangal"/>
+        <a:font script="Telu" typeface="Gautami"/>
+        <a:font script="Taml" typeface="Latha"/>
+        <a:font script="Syrc" typeface="Estrangelo Edessa"/>
+        <a:font script="Orya" typeface="Kalinga"/>
+        <a:font script="Mlym" typeface="Kartika"/>
+        <a:font script="Laoo" typeface="DokChampa"/>
+        <a:font script="Sinh" typeface="Iskoola Pota"/>
+        <a:font script="Mong" typeface="Mongolian Baiti"/>
+        <a:font script="Viet" typeface="Times New Roman"/>
+        <a:font script="Uigh" typeface="Microsoft Uighur"/>
+        <a:font script="Geor" typeface="Sylfaen"/>
+        <a:font script="Armn" typeface="Arial"/>
+        <a:font script="Bugi" typeface="Leelawadee UI"/>
+        <a:font script="Bopo" typeface="Microsoft JhengHei"/>
+        <a:font script="Java" typeface="Javanese Text"/>
+        <a:font script="Lisu" typeface="Segoe UI"/>
+        <a:font script="Mymr" typeface="Myanmar Text"/>
+        <a:font script="Nkoo" typeface="Ebrima"/>
+        <a:font script="Olck" typeface="Nirmala UI"/>
+        <a:font script="Osma" typeface="Ebrima"/>
+        <a:font script="Phag" typeface="Phagspa"/>
+        <a:font script="Syrn" typeface="Estrangelo Edessa"/>
+        <a:font script="Syrj" typeface="Estrangelo Edessa"/>
+        <a:font script="Syre" typeface="Estrangelo Edessa"/>
+        <a:font script="Sora" typeface="Nirmala UI"/>
+        <a:font script="Tale" typeface="Microsoft Tai Le"/>
+        <a:font script="Talu" typeface="Microsoft New Tai Lue"/>
+        <a:font script="Tfng" typeface="Ebrima"/>
+      </a:majorFont>
+      <a:minorFont>
+        <a:latin typeface="Aptos" panose="02110004020202020204"/>
+        <a:ea typeface=""/>
+        <a:cs typeface=""/>
+        <a:font script="Jpan" typeface="游ゴシック"/>
+        <a:font script="Hang" typeface="맑은 고딕"/>
+        <a:font script="Hans" typeface="等线"/>
+        <a:font script="Hant" typeface="新細明體"/>
+        <a:font script="Arab" typeface="Arial"/>
+        <a:font script="Hebr" typeface="Arial"/>
+        <a:font script="Thai" typeface="Cordia New"/>
+        <a:font script="Ethi" typeface="Nyala"/>
+        <a:font script="Beng" typeface="Vrinda"/>
+        <a:font script="Gujr" typeface="Shruti"/>
+        <a:font script="Khmr" typeface="DaunPenh"/>
+        <a:font script="Knda" typeface="Tunga"/>
+        <a:font script="Guru" typeface="Raavi"/>
+        <a:font script="Cans" typeface="Euphemia"/>
+        <a:font script="Cher" typeface="Plantagenet Cherokee"/>
+        <a:font script="Yiii" typeface="Microsoft Yi Baiti"/>
+        <a:font script="Tibt" typeface="Microsoft Himalaya"/>
+        <a:font script="Thaa" typeface="MV Boli"/>
+        <a:font script="Deva" typeface="Mangal"/>
+        <a:font script="Telu" typeface="Gautami"/>
+        <a:font script="Taml" typeface="Latha"/>
+        <a:font script="Syrc" typeface="Estrangelo Edessa"/>
+        <a:font script="Orya" typeface="Kalinga"/>
+        <a:font script="Mlym" typeface="Kartika"/>
+        <a:font script="Laoo" typeface="DokChampa"/>
+        <a:font script="Sinh" typeface="Iskoola Pota"/>
+        <a:font script="Mong" typeface="Mongolian Baiti"/>
+        <a:font script="Viet" typeface="Arial"/>
+        <a:font script="Uigh" typeface="Microsoft Uighur"/>
+        <a:font script="Geor" typeface="Sylfaen"/>
+        <a:font script="Armn" typeface="Arial"/>
+        <a:font script="Bugi" typeface="Leelawadee UI"/>
+        <a:font script="Bopo" typeface="Microsoft JhengHei"/>
+        <a:font script="Java" typeface="Javanese Text"/>
+        <a:font script="Lisu" typeface="Segoe UI"/>
+        <a:font script="Mymr" typeface="Myanmar Text"/>
+        <a:font script="Nkoo" typeface="Ebrima"/>
+        <a:font script="Olck" typeface="Nirmala UI"/>
+        <a:font script="Osma" typeface="Ebrima"/>
+        <a:font script="Phag" typeface="Phagspa"/>
+        <a:font script="Syrn" typeface="Estrangelo Edessa"/>
+        <a:font script="Syrj" typeface="Estrangelo Edessa"/>
+        <a:font script="Syre" typeface="Estrangelo Edessa"/>
+        <a:font script="Sora" typeface="Nirmala UI"/>
+        <a:font script="Tale" typeface="Microsoft Tai Le"/>
+        <a:font script="Talu" typeface="Microsoft New Tai Lue"/>
+        <a:font script="Tfng" typeface="Ebrima"/>
+      </a:minorFont>
+    </a:fontScheme>
+    <a:fmtScheme name="Pakiet Office">
+      <a:fillStyleLst>
+        <a:solidFill>
+          <a:schemeClr val="phClr"/>
+        </a:solidFill>
+        <a:gradFill rotWithShape="1">
+          <a:gsLst>
+            <a:gs pos="0">
+              <a:schemeClr val="phClr">
+                <a:lumMod val="110000"/>
+                <a:satMod val="105000"/>
+                <a:tint val="67000"/>
+              </a:schemeClr>
+            </a:gs>
+            <a:gs pos="50000">
+              <a:schemeClr val="phClr">
+                <a:lumMod val="105000"/>
+                <a:satMod val="103000"/>
+                <a:tint val="73000"/>
+              </a:schemeClr>
+            </a:gs>
+            <a:gs pos="100000">
+              <a:schemeClr val="phClr">
+                <a:lumMod val="105000"/>
+                <a:satMod val="109000"/>
+                <a:tint val="81000"/>
+              </a:schemeClr>
+            </a:gs>
+          </a:gsLst>
+          <a:lin ang="5400000" scaled="0"/>
+        </a:gradFill>
+        <a:gradFill rotWithShape="1">
+          <a:gsLst>
+            <a:gs pos="0">
+              <a:schemeClr val="phClr">
+                <a:satMod val="103000"/>
+                <a:lumMod val="102000"/>
+                <a:tint val="94000"/>
+              </a:schemeClr>
+            </a:gs>
+            <a:gs pos="50000">
+              <a:schemeClr val="phClr">
+                <a:satMod val="110000"/>
+                <a:lumMod val="100000"/>
+                <a:shade val="100000"/>
+              </a:schemeClr>
+            </a:gs>
+            <a:gs pos="100000">
+              <a:schemeClr val="phClr">
+                <a:lumMod val="99000"/>
+                <a:satMod val="120000"/>
+                <a:shade val="78000"/>
+              </a:schemeClr>
+            </a:gs>
+          </a:gsLst>
+          <a:lin ang="5400000" scaled="0"/>
+        </a:gradFill>
+      </a:fillStyleLst>
+      <a:lnStyleLst>
+        <a:ln w="12700" cap="flat" cmpd="sng" algn="ctr">
+          <a:solidFill>
+            <a:schemeClr val="phClr"/>
+          </a:solidFill>
+          <a:prstDash val="solid"/>
+          <a:miter lim="800000"/>
+        </a:ln>
+        <a:ln w="19050" cap="flat" cmpd="sng" algn="ctr">
+          <a:solidFill>
+            <a:schemeClr val="phClr"/>
+          </a:solidFill>
+          <a:prstDash val="solid"/>
+          <a:miter lim="800000"/>
+        </a:ln>
+        <a:ln w="25400" cap="flat" cmpd="sng" algn="ctr">
+          <a:solidFill>
+            <a:schemeClr val="phClr"/>
+          </a:solidFill>
+          <a:prstDash val="solid"/>
+          <a:miter lim="800000"/>
+        </a:ln>
+      </a:lnStyleLst>
+      <a:effectStyleLst>
+        <a:effectStyle>
+          <a:effectLst/>
+        </a:effectStyle>
+        <a:effectStyle>
+          <a:effectLst/>
+        </a:effectStyle>
+        <a:effectStyle>
+          <a:effectLst>
+            <a:outerShdw blurRad="57150" dist="19050" dir="5400000" algn="ctr" rotWithShape="0">
+              <a:srgbClr val="000000">
+                <a:alpha val="63000"/>
+              </a:srgbClr>
+            </a:outerShdw>
+          </a:effectLst>
+        </a:effectStyle>
+      </a:effectStyleLst>
+      <a:bgFillStyleLst>
+        <a:solidFill>
+          <a:schemeClr val="phClr"/>
+        </a:solidFill>
+        <a:solidFill>
+          <a:schemeClr val="phClr">
+            <a:tint val="95000"/>
+            <a:satMod val="170000"/>
+          </a:schemeClr>
+        </a:solidFill>
+        <a:gradFill rotWithShape="1">
+          <a:gsLst>
+            <a:gs pos="0">
+              <a:schemeClr val="phClr">
+                <a:tint val="93000"/>
+                <a:satMod val="150000"/>
+                <a:shade val="98000"/>
+                <a:lumMod val="102000"/>
+              </a:schemeClr>
+            </a:gs>
+            <a:gs pos="50000">
+              <a:schemeClr val="phClr">
+                <a:tint val="98000"/>
+                <a:satMod val="130000"/>
+                <a:shade val="90000"/>
+                <a:lumMod val="103000"/>
+              </a:schemeClr>
+            </a:gs>
+            <a:gs pos="100000">
+              <a:schemeClr val="phClr">
+                <a:shade val="63000"/>
+                <a:satMod val="120000"/>
+              </a:schemeClr>
+            </a:gs>
+          </a:gsLst>
+          <a:lin ang="5400000" scaled="0"/>
+        </a:gradFill>
+      </a:bgFillStyleLst>
+    </a:fmtScheme>
+  </a:themeElements>
+  <a:objectDefaults>
+    <a:lnDef>
+      <a:spPr/>
+      <a:bodyPr/>
+      <a:lstStyle/>
+      <a:style>
+        <a:lnRef idx="2">
+          <a:schemeClr val="accent1"/>
+        </a:lnRef>
+        <a:fillRef idx="0">
+          <a:schemeClr val="accent1"/>
+        </a:fillRef>
+        <a:effectRef idx="1">
+          <a:schemeClr val="accent1"/>
+        </a:effectRef>
+        <a:fontRef idx="minor">
+          <a:schemeClr val="tx1"/>
+        </a:fontRef>
+      </a:style>
+    </a:lnDef>
+  </a:objectDefaults>
+  <a:extraClrSchemeLst/>
+  <a:extLst>
+    <a:ext uri="{05A4C25C-085E-4340-85A3-A5531E510DB2}">
+      <thm15:themeFamily xmlns:thm15="http://schemas.microsoft.com/office/thememl/2012/main" name="Office Theme" id="{2E142A2C-CD16-42D6-873A-C26D2A0506FA}" vid="{1BDDFF52-6CD6-40A5-AB3C-68EB2F1E4D0A}"/>
+    </a:ext>
+  </a:extLst>
+</a:theme>
 </file>